--- a/demo/doc/create widget.pptx
+++ b/demo/doc/create widget.pptx
@@ -6,10 +6,15 @@
   </p:sldMasterIdLst>
   <p:sldIdLst>
     <p:sldId id="256" r:id="rId2"/>
-    <p:sldId id="258" r:id="rId3"/>
-    <p:sldId id="257" r:id="rId4"/>
-    <p:sldId id="259" r:id="rId5"/>
-    <p:sldId id="260" r:id="rId6"/>
+    <p:sldId id="261" r:id="rId3"/>
+    <p:sldId id="262" r:id="rId4"/>
+    <p:sldId id="258" r:id="rId5"/>
+    <p:sldId id="264" r:id="rId6"/>
+    <p:sldId id="265" r:id="rId7"/>
+    <p:sldId id="263" r:id="rId8"/>
+    <p:sldId id="257" r:id="rId9"/>
+    <p:sldId id="259" r:id="rId10"/>
+    <p:sldId id="260" r:id="rId11"/>
   </p:sldIdLst>
   <p:sldSz cx="9144000" cy="6858000" type="screen4x3"/>
   <p:notesSz cx="6858000" cy="9144000"/>
@@ -3084,8 +3089,8 @@
           </a:p>
           <a:p>
             <a:r>
-              <a:rPr lang="en-US" altLang="zh-TW" dirty="0" smtClean="0"/>
-              <a:t>2012.03.04</a:t>
+              <a:rPr lang="en-US" altLang="zh-TW" smtClean="0"/>
+              <a:t>2013.03.04</a:t>
             </a:r>
             <a:endParaRPr lang="zh-TW" altLang="en-US" dirty="0"/>
           </a:p>
@@ -3095,6 +3100,143 @@
     <p:extLst>
       <p:ext uri="{BB962C8B-B14F-4D97-AF65-F5344CB8AC3E}">
         <p14:creationId xmlns:p14="http://schemas.microsoft.com/office/powerpoint/2010/main" val="3323338757"/>
+      </p:ext>
+    </p:extLst>
+  </p:cSld>
+  <p:clrMapOvr>
+    <a:masterClrMapping/>
+  </p:clrMapOvr>
+  <p:timing>
+    <p:tnLst>
+      <p:par>
+        <p:cTn id="1" dur="indefinite" restart="never" nodeType="tmRoot"/>
+      </p:par>
+    </p:tnLst>
+  </p:timing>
+</p:sld>
+</file>
+
+<file path=ppt/slides/slide10.xml><?xml version="1.0" encoding="utf-8"?>
+<p:sld xmlns:a="http://schemas.openxmlformats.org/drawingml/2006/main" xmlns:r="http://schemas.openxmlformats.org/officeDocument/2006/relationships" xmlns:p="http://schemas.openxmlformats.org/presentationml/2006/main">
+  <p:cSld>
+    <p:spTree>
+      <p:nvGrpSpPr>
+        <p:cNvPr id="1" name=""/>
+        <p:cNvGrpSpPr/>
+        <p:nvPr/>
+      </p:nvGrpSpPr>
+      <p:grpSpPr>
+        <a:xfrm>
+          <a:off x="0" y="0"/>
+          <a:ext cx="0" cy="0"/>
+          <a:chOff x="0" y="0"/>
+          <a:chExt cx="0" cy="0"/>
+        </a:xfrm>
+      </p:grpSpPr>
+      <p:pic>
+        <p:nvPicPr>
+          <p:cNvPr id="3074" name="Picture 2"/>
+          <p:cNvPicPr>
+            <a:picLocks noChangeAspect="1" noChangeArrowheads="1"/>
+          </p:cNvPicPr>
+          <p:nvPr/>
+        </p:nvPicPr>
+        <p:blipFill>
+          <a:blip r:embed="rId2">
+            <a:extLst>
+              <a:ext uri="{28A0092B-C50C-407E-A947-70E740481C1C}">
+                <a14:useLocalDpi xmlns:a14="http://schemas.microsoft.com/office/drawing/2010/main" val="0"/>
+              </a:ext>
+            </a:extLst>
+          </a:blip>
+          <a:srcRect/>
+          <a:stretch>
+            <a:fillRect/>
+          </a:stretch>
+        </p:blipFill>
+        <p:spPr bwMode="auto">
+          <a:xfrm>
+            <a:off x="0" y="0"/>
+            <a:ext cx="9144000" cy="6858000"/>
+          </a:xfrm>
+          <a:prstGeom prst="rect">
+            <a:avLst/>
+          </a:prstGeom>
+          <a:noFill/>
+          <a:ln>
+            <a:noFill/>
+          </a:ln>
+          <a:extLst>
+            <a:ext uri="{909E8E84-426E-40DD-AFC4-6F175D3DCCD1}">
+              <a14:hiddenFill xmlns:a14="http://schemas.microsoft.com/office/drawing/2010/main">
+                <a:solidFill>
+                  <a:schemeClr val="accent1"/>
+                </a:solidFill>
+              </a14:hiddenFill>
+            </a:ext>
+            <a:ext uri="{91240B29-F687-4F45-9708-019B960494DF}">
+              <a14:hiddenLine xmlns:a14="http://schemas.microsoft.com/office/drawing/2010/main" w="9525">
+                <a:solidFill>
+                  <a:schemeClr val="tx1"/>
+                </a:solidFill>
+                <a:miter lim="800000"/>
+                <a:headEnd/>
+                <a:tailEnd/>
+              </a14:hiddenLine>
+            </a:ext>
+          </a:extLst>
+        </p:spPr>
+      </p:pic>
+      <p:sp>
+        <p:nvSpPr>
+          <p:cNvPr id="4" name="矩形 3"/>
+          <p:cNvSpPr/>
+          <p:nvPr/>
+        </p:nvSpPr>
+        <p:spPr>
+          <a:xfrm>
+            <a:off x="395536" y="1484784"/>
+            <a:ext cx="8424936" cy="4464496"/>
+          </a:xfrm>
+          <a:prstGeom prst="rect">
+            <a:avLst/>
+          </a:prstGeom>
+          <a:noFill/>
+          <a:ln w="38100">
+            <a:solidFill>
+              <a:srgbClr val="FF0000"/>
+            </a:solidFill>
+          </a:ln>
+        </p:spPr>
+        <p:style>
+          <a:lnRef idx="2">
+            <a:schemeClr val="accent1">
+              <a:shade val="50000"/>
+            </a:schemeClr>
+          </a:lnRef>
+          <a:fillRef idx="1">
+            <a:schemeClr val="accent1"/>
+          </a:fillRef>
+          <a:effectRef idx="0">
+            <a:schemeClr val="accent1"/>
+          </a:effectRef>
+          <a:fontRef idx="minor">
+            <a:schemeClr val="lt1"/>
+          </a:fontRef>
+        </p:style>
+        <p:txBody>
+          <a:bodyPr rtlCol="0" anchor="ctr"/>
+          <a:lstStyle/>
+          <a:p>
+            <a:pPr algn="ctr"/>
+            <a:endParaRPr lang="zh-TW" altLang="en-US"/>
+          </a:p>
+        </p:txBody>
+      </p:sp>
+    </p:spTree>
+    <p:extLst>
+      <p:ext uri="{BB962C8B-B14F-4D97-AF65-F5344CB8AC3E}">
+        <p14:creationId xmlns:p14="http://schemas.microsoft.com/office/powerpoint/2010/main" val="3869721160"/>
       </p:ext>
     </p:extLst>
   </p:cSld>
@@ -3128,6 +3270,534 @@
           <a:chExt cx="0" cy="0"/>
         </a:xfrm>
       </p:grpSpPr>
+      <p:pic>
+        <p:nvPicPr>
+          <p:cNvPr id="1026" name="Picture 2"/>
+          <p:cNvPicPr>
+            <a:picLocks noChangeAspect="1" noChangeArrowheads="1"/>
+          </p:cNvPicPr>
+          <p:nvPr/>
+        </p:nvPicPr>
+        <p:blipFill>
+          <a:blip r:embed="rId2">
+            <a:extLst>
+              <a:ext uri="{28A0092B-C50C-407E-A947-70E740481C1C}">
+                <a14:useLocalDpi xmlns:a14="http://schemas.microsoft.com/office/drawing/2010/main" val="0"/>
+              </a:ext>
+            </a:extLst>
+          </a:blip>
+          <a:srcRect/>
+          <a:stretch>
+            <a:fillRect/>
+          </a:stretch>
+        </p:blipFill>
+        <p:spPr bwMode="auto">
+          <a:xfrm>
+            <a:off x="5471" y="0"/>
+            <a:ext cx="9144000" cy="6858000"/>
+          </a:xfrm>
+          <a:prstGeom prst="rect">
+            <a:avLst/>
+          </a:prstGeom>
+          <a:noFill/>
+          <a:ln>
+            <a:noFill/>
+          </a:ln>
+          <a:extLst>
+            <a:ext uri="{909E8E84-426E-40DD-AFC4-6F175D3DCCD1}">
+              <a14:hiddenFill xmlns:a14="http://schemas.microsoft.com/office/drawing/2010/main">
+                <a:solidFill>
+                  <a:schemeClr val="accent1"/>
+                </a:solidFill>
+              </a14:hiddenFill>
+            </a:ext>
+            <a:ext uri="{91240B29-F687-4F45-9708-019B960494DF}">
+              <a14:hiddenLine xmlns:a14="http://schemas.microsoft.com/office/drawing/2010/main" w="9525">
+                <a:solidFill>
+                  <a:schemeClr val="tx1"/>
+                </a:solidFill>
+                <a:miter lim="800000"/>
+                <a:headEnd/>
+                <a:tailEnd/>
+              </a14:hiddenLine>
+            </a:ext>
+          </a:extLst>
+        </p:spPr>
+      </p:pic>
+      <p:sp>
+        <p:nvSpPr>
+          <p:cNvPr id="2" name="矩形 1"/>
+          <p:cNvSpPr/>
+          <p:nvPr/>
+        </p:nvSpPr>
+        <p:spPr>
+          <a:xfrm>
+            <a:off x="0" y="4365104"/>
+            <a:ext cx="9149471" cy="2492896"/>
+          </a:xfrm>
+          <a:prstGeom prst="rect">
+            <a:avLst/>
+          </a:prstGeom>
+          <a:solidFill>
+            <a:schemeClr val="bg1">
+              <a:lumMod val="75000"/>
+              <a:alpha val="89804"/>
+            </a:schemeClr>
+          </a:solidFill>
+          <a:ln>
+            <a:noFill/>
+          </a:ln>
+        </p:spPr>
+        <p:style>
+          <a:lnRef idx="2">
+            <a:schemeClr val="accent1">
+              <a:shade val="50000"/>
+            </a:schemeClr>
+          </a:lnRef>
+          <a:fillRef idx="1">
+            <a:schemeClr val="accent1"/>
+          </a:fillRef>
+          <a:effectRef idx="0">
+            <a:schemeClr val="accent1"/>
+          </a:effectRef>
+          <a:fontRef idx="minor">
+            <a:schemeClr val="lt1"/>
+          </a:fontRef>
+        </p:style>
+        <p:txBody>
+          <a:bodyPr rtlCol="0" anchor="ctr"/>
+          <a:lstStyle/>
+          <a:p>
+            <a:r>
+              <a:rPr lang="en-US" altLang="zh-TW" dirty="0">
+                <a:solidFill>
+                  <a:schemeClr val="tx1"/>
+                </a:solidFill>
+              </a:rPr>
+              <a:t>Su’s Layout (</a:t>
+            </a:r>
+            <a:r>
+              <a:rPr lang="en-US" altLang="zh-TW" dirty="0">
+                <a:solidFill>
+                  <a:schemeClr val="tx1"/>
+                </a:solidFill>
+                <a:hlinkClick r:id="rId3"/>
+              </a:rPr>
+              <a:t>http://vision.sdsu.edu/suhan/layout</a:t>
+            </a:r>
+            <a:r>
+              <a:rPr lang="en-US" altLang="zh-TW" dirty="0" smtClean="0">
+                <a:solidFill>
+                  <a:schemeClr val="tx1"/>
+                </a:solidFill>
+                <a:hlinkClick r:id="rId3"/>
+              </a:rPr>
+              <a:t>/</a:t>
+            </a:r>
+            <a:r>
+              <a:rPr lang="en-US" altLang="zh-TW" dirty="0" smtClean="0">
+                <a:solidFill>
+                  <a:schemeClr val="tx1"/>
+                </a:solidFill>
+              </a:rPr>
+              <a:t>)</a:t>
+            </a:r>
+          </a:p>
+          <a:p>
+            <a:endParaRPr lang="en-US" altLang="zh-TW" dirty="0">
+              <a:solidFill>
+                <a:schemeClr val="tx1"/>
+              </a:solidFill>
+            </a:endParaRPr>
+          </a:p>
+          <a:p>
+            <a:r>
+              <a:rPr lang="en-US" altLang="zh-TW" dirty="0" smtClean="0">
+                <a:solidFill>
+                  <a:schemeClr val="tx1"/>
+                </a:solidFill>
+              </a:rPr>
+              <a:t>	Pros: </a:t>
+            </a:r>
+          </a:p>
+          <a:p>
+            <a:pPr marL="1657350" lvl="3" indent="-285750">
+              <a:buFont typeface="Arial" pitchFamily="34" charset="0"/>
+              <a:buChar char="•"/>
+            </a:pPr>
+            <a:r>
+              <a:rPr lang="en-US" altLang="zh-TW" dirty="0" smtClean="0">
+                <a:solidFill>
+                  <a:schemeClr val="tx1"/>
+                </a:solidFill>
+              </a:rPr>
+              <a:t>resizable</a:t>
+            </a:r>
+          </a:p>
+          <a:p>
+            <a:r>
+              <a:rPr lang="en-US" altLang="zh-TW" dirty="0" smtClean="0">
+                <a:solidFill>
+                  <a:schemeClr val="tx1"/>
+                </a:solidFill>
+              </a:rPr>
+              <a:t>	Cons:</a:t>
+            </a:r>
+          </a:p>
+          <a:p>
+            <a:pPr marL="1657350" lvl="3" indent="-285750">
+              <a:buFont typeface="Arial" pitchFamily="34" charset="0"/>
+              <a:buChar char="•"/>
+            </a:pPr>
+            <a:r>
+              <a:rPr lang="en-US" altLang="zh-TW" dirty="0" smtClean="0">
+                <a:solidFill>
+                  <a:schemeClr val="tx1"/>
+                </a:solidFill>
+              </a:rPr>
+              <a:t>Cannot </a:t>
+            </a:r>
+            <a:r>
+              <a:rPr lang="en-US" altLang="zh-TW" dirty="0" err="1" smtClean="0">
+                <a:solidFill>
+                  <a:schemeClr val="tx1"/>
+                </a:solidFill>
+              </a:rPr>
+              <a:t>draggable</a:t>
+            </a:r>
+            <a:r>
+              <a:rPr lang="en-US" altLang="zh-TW" dirty="0" smtClean="0">
+                <a:solidFill>
+                  <a:schemeClr val="tx1"/>
+                </a:solidFill>
+              </a:rPr>
+              <a:t> (cannot meet Bryan’s requirements)</a:t>
+            </a:r>
+            <a:endParaRPr lang="en-US" altLang="zh-TW" dirty="0">
+              <a:solidFill>
+                <a:schemeClr val="tx1"/>
+              </a:solidFill>
+            </a:endParaRPr>
+          </a:p>
+          <a:p>
+            <a:endParaRPr lang="en-US" altLang="zh-TW" dirty="0" smtClean="0">
+              <a:solidFill>
+                <a:schemeClr val="tx1"/>
+              </a:solidFill>
+            </a:endParaRPr>
+          </a:p>
+        </p:txBody>
+      </p:sp>
+    </p:spTree>
+    <p:extLst>
+      <p:ext uri="{BB962C8B-B14F-4D97-AF65-F5344CB8AC3E}">
+        <p14:creationId xmlns:p14="http://schemas.microsoft.com/office/powerpoint/2010/main" val="326819619"/>
+      </p:ext>
+    </p:extLst>
+  </p:cSld>
+  <p:clrMapOvr>
+    <a:masterClrMapping/>
+  </p:clrMapOvr>
+  <p:timing>
+    <p:tnLst>
+      <p:par>
+        <p:cTn id="1" dur="indefinite" restart="never" nodeType="tmRoot"/>
+      </p:par>
+    </p:tnLst>
+  </p:timing>
+</p:sld>
+</file>
+
+<file path=ppt/slides/slide3.xml><?xml version="1.0" encoding="utf-8"?>
+<p:sld xmlns:a="http://schemas.openxmlformats.org/drawingml/2006/main" xmlns:r="http://schemas.openxmlformats.org/officeDocument/2006/relationships" xmlns:p="http://schemas.openxmlformats.org/presentationml/2006/main">
+  <p:cSld>
+    <p:spTree>
+      <p:nvGrpSpPr>
+        <p:cNvPr id="1" name=""/>
+        <p:cNvGrpSpPr/>
+        <p:nvPr/>
+      </p:nvGrpSpPr>
+      <p:grpSpPr>
+        <a:xfrm>
+          <a:off x="0" y="0"/>
+          <a:ext cx="0" cy="0"/>
+          <a:chOff x="0" y="0"/>
+          <a:chExt cx="0" cy="0"/>
+        </a:xfrm>
+      </p:grpSpPr>
+      <p:pic>
+        <p:nvPicPr>
+          <p:cNvPr id="2050" name="Picture 2"/>
+          <p:cNvPicPr>
+            <a:picLocks noChangeAspect="1" noChangeArrowheads="1"/>
+          </p:cNvPicPr>
+          <p:nvPr/>
+        </p:nvPicPr>
+        <p:blipFill>
+          <a:blip r:embed="rId2">
+            <a:extLst>
+              <a:ext uri="{28A0092B-C50C-407E-A947-70E740481C1C}">
+                <a14:useLocalDpi xmlns:a14="http://schemas.microsoft.com/office/drawing/2010/main" val="0"/>
+              </a:ext>
+            </a:extLst>
+          </a:blip>
+          <a:srcRect/>
+          <a:stretch>
+            <a:fillRect/>
+          </a:stretch>
+        </p:blipFill>
+        <p:spPr bwMode="auto">
+          <a:xfrm>
+            <a:off x="-1844" y="-1"/>
+            <a:ext cx="9151315" cy="6863487"/>
+          </a:xfrm>
+          <a:prstGeom prst="rect">
+            <a:avLst/>
+          </a:prstGeom>
+          <a:noFill/>
+          <a:ln>
+            <a:noFill/>
+          </a:ln>
+          <a:extLst>
+            <a:ext uri="{909E8E84-426E-40DD-AFC4-6F175D3DCCD1}">
+              <a14:hiddenFill xmlns:a14="http://schemas.microsoft.com/office/drawing/2010/main">
+                <a:solidFill>
+                  <a:schemeClr val="accent1"/>
+                </a:solidFill>
+              </a14:hiddenFill>
+            </a:ext>
+            <a:ext uri="{91240B29-F687-4F45-9708-019B960494DF}">
+              <a14:hiddenLine xmlns:a14="http://schemas.microsoft.com/office/drawing/2010/main" w="9525">
+                <a:solidFill>
+                  <a:schemeClr val="tx1"/>
+                </a:solidFill>
+                <a:miter lim="800000"/>
+                <a:headEnd/>
+                <a:tailEnd/>
+              </a14:hiddenLine>
+            </a:ext>
+          </a:extLst>
+        </p:spPr>
+      </p:pic>
+      <p:sp>
+        <p:nvSpPr>
+          <p:cNvPr id="2" name="矩形 1"/>
+          <p:cNvSpPr/>
+          <p:nvPr/>
+        </p:nvSpPr>
+        <p:spPr>
+          <a:xfrm>
+            <a:off x="0" y="4365104"/>
+            <a:ext cx="9149471" cy="2492896"/>
+          </a:xfrm>
+          <a:prstGeom prst="rect">
+            <a:avLst/>
+          </a:prstGeom>
+          <a:solidFill>
+            <a:schemeClr val="bg1">
+              <a:lumMod val="75000"/>
+              <a:alpha val="89804"/>
+            </a:schemeClr>
+          </a:solidFill>
+          <a:ln>
+            <a:noFill/>
+          </a:ln>
+        </p:spPr>
+        <p:style>
+          <a:lnRef idx="2">
+            <a:schemeClr val="accent1">
+              <a:shade val="50000"/>
+            </a:schemeClr>
+          </a:lnRef>
+          <a:fillRef idx="1">
+            <a:schemeClr val="accent1"/>
+          </a:fillRef>
+          <a:effectRef idx="0">
+            <a:schemeClr val="accent1"/>
+          </a:effectRef>
+          <a:fontRef idx="minor">
+            <a:schemeClr val="lt1"/>
+          </a:fontRef>
+        </p:style>
+        <p:txBody>
+          <a:bodyPr rtlCol="0" anchor="ctr"/>
+          <a:lstStyle/>
+          <a:p>
+            <a:r>
+              <a:rPr lang="en-US" altLang="zh-TW" dirty="0" smtClean="0">
+                <a:solidFill>
+                  <a:schemeClr val="tx1"/>
+                </a:solidFill>
+              </a:rPr>
+              <a:t>Joe’s </a:t>
+            </a:r>
+            <a:r>
+              <a:rPr lang="en-US" altLang="zh-TW" dirty="0">
+                <a:solidFill>
+                  <a:schemeClr val="tx1"/>
+                </a:solidFill>
+              </a:rPr>
+              <a:t>Layout (</a:t>
+            </a:r>
+            <a:r>
+              <a:rPr lang="en-US" altLang="zh-TW" dirty="0">
+                <a:solidFill>
+                  <a:schemeClr val="tx1"/>
+                </a:solidFill>
+                <a:hlinkClick r:id="rId3"/>
+              </a:rPr>
+              <a:t>http://vision.sdsu.edu/jsalt/layout2</a:t>
+            </a:r>
+            <a:r>
+              <a:rPr lang="en-US" altLang="zh-TW" dirty="0" smtClean="0">
+                <a:solidFill>
+                  <a:schemeClr val="tx1"/>
+                </a:solidFill>
+                <a:hlinkClick r:id="rId3"/>
+              </a:rPr>
+              <a:t>/</a:t>
+            </a:r>
+            <a:r>
+              <a:rPr lang="en-US" altLang="zh-TW" dirty="0" smtClean="0">
+                <a:solidFill>
+                  <a:schemeClr val="tx1"/>
+                </a:solidFill>
+              </a:rPr>
+              <a:t>)</a:t>
+            </a:r>
+          </a:p>
+          <a:p>
+            <a:endParaRPr lang="en-US" altLang="zh-TW" dirty="0">
+              <a:solidFill>
+                <a:schemeClr val="tx1"/>
+              </a:solidFill>
+            </a:endParaRPr>
+          </a:p>
+          <a:p>
+            <a:r>
+              <a:rPr lang="en-US" altLang="zh-TW" dirty="0" smtClean="0">
+                <a:solidFill>
+                  <a:schemeClr val="tx1"/>
+                </a:solidFill>
+              </a:rPr>
+              <a:t>	Pros: </a:t>
+            </a:r>
+          </a:p>
+          <a:p>
+            <a:pPr marL="1657350" lvl="3" indent="-285750">
+              <a:buFont typeface="Arial" pitchFamily="34" charset="0"/>
+              <a:buChar char="•"/>
+            </a:pPr>
+            <a:r>
+              <a:rPr lang="en-US" altLang="zh-TW" dirty="0" err="1" smtClean="0">
+                <a:solidFill>
+                  <a:schemeClr val="tx1"/>
+                </a:solidFill>
+              </a:rPr>
+              <a:t>draggable</a:t>
+            </a:r>
+            <a:endParaRPr lang="en-US" altLang="zh-TW" dirty="0" smtClean="0">
+              <a:solidFill>
+                <a:schemeClr val="tx1"/>
+              </a:solidFill>
+            </a:endParaRPr>
+          </a:p>
+          <a:p>
+            <a:r>
+              <a:rPr lang="en-US" altLang="zh-TW" dirty="0" smtClean="0">
+                <a:solidFill>
+                  <a:schemeClr val="tx1"/>
+                </a:solidFill>
+              </a:rPr>
+              <a:t>	Cons:</a:t>
+            </a:r>
+          </a:p>
+          <a:p>
+            <a:pPr marL="1657350" lvl="3" indent="-285750">
+              <a:buFont typeface="Arial" pitchFamily="34" charset="0"/>
+              <a:buChar char="•"/>
+            </a:pPr>
+            <a:r>
+              <a:rPr lang="en-US" altLang="zh-TW" dirty="0" smtClean="0">
+                <a:solidFill>
+                  <a:schemeClr val="tx1"/>
+                </a:solidFill>
+              </a:rPr>
+              <a:t>Cannot resizable</a:t>
+            </a:r>
+          </a:p>
+          <a:p>
+            <a:pPr marL="1657350" lvl="3" indent="-285750">
+              <a:buFont typeface="Arial" pitchFamily="34" charset="0"/>
+              <a:buChar char="•"/>
+            </a:pPr>
+            <a:r>
+              <a:rPr lang="en-US" altLang="zh-TW" dirty="0" smtClean="0">
+                <a:solidFill>
+                  <a:schemeClr val="tx1"/>
+                </a:solidFill>
+              </a:rPr>
+              <a:t>The box size are limited to the same width (ex: 4x2, 4x3, or 4x4)</a:t>
+            </a:r>
+          </a:p>
+          <a:p>
+            <a:pPr marL="1657350" lvl="3" indent="-285750">
+              <a:buFont typeface="Arial" pitchFamily="34" charset="0"/>
+              <a:buChar char="•"/>
+            </a:pPr>
+            <a:r>
+              <a:rPr lang="en-US" altLang="zh-TW" dirty="0" smtClean="0">
+                <a:solidFill>
+                  <a:schemeClr val="tx1"/>
+                </a:solidFill>
+              </a:rPr>
+              <a:t>The layout is limited to 2 columns. </a:t>
+            </a:r>
+            <a:endParaRPr lang="en-US" altLang="zh-TW" dirty="0">
+              <a:solidFill>
+                <a:schemeClr val="tx1"/>
+              </a:solidFill>
+            </a:endParaRPr>
+          </a:p>
+        </p:txBody>
+      </p:sp>
+    </p:spTree>
+    <p:extLst>
+      <p:ext uri="{BB962C8B-B14F-4D97-AF65-F5344CB8AC3E}">
+        <p14:creationId xmlns:p14="http://schemas.microsoft.com/office/powerpoint/2010/main" val="819453085"/>
+      </p:ext>
+    </p:extLst>
+  </p:cSld>
+  <p:clrMapOvr>
+    <a:masterClrMapping/>
+  </p:clrMapOvr>
+  <p:timing>
+    <p:tnLst>
+      <p:par>
+        <p:cTn id="1" dur="indefinite" restart="never" nodeType="tmRoot"/>
+      </p:par>
+    </p:tnLst>
+  </p:timing>
+</p:sld>
+</file>
+
+<file path=ppt/slides/slide4.xml><?xml version="1.0" encoding="utf-8"?>
+<p:sld xmlns:a="http://schemas.openxmlformats.org/drawingml/2006/main" xmlns:r="http://schemas.openxmlformats.org/officeDocument/2006/relationships" xmlns:p="http://schemas.openxmlformats.org/presentationml/2006/main">
+  <p:cSld>
+    <p:spTree>
+      <p:nvGrpSpPr>
+        <p:cNvPr id="1" name=""/>
+        <p:cNvGrpSpPr/>
+        <p:nvPr/>
+      </p:nvGrpSpPr>
+      <p:grpSpPr>
+        <a:xfrm>
+          <a:off x="0" y="0"/>
+          <a:ext cx="0" cy="0"/>
+          <a:chOff x="0" y="0"/>
+          <a:chExt cx="0" cy="0"/>
+        </a:xfrm>
+      </p:grpSpPr>
       <p:grpSp>
         <p:nvGrpSpPr>
           <p:cNvPr id="3" name="群組 2"/>
@@ -3136,8 +3806,8 @@
         </p:nvGrpSpPr>
         <p:grpSpPr>
           <a:xfrm>
-            <a:off x="57976" y="476672"/>
-            <a:ext cx="9108263" cy="6441991"/>
+            <a:off x="67608" y="0"/>
+            <a:ext cx="9108263" cy="6626657"/>
             <a:chOff x="57976" y="87466"/>
             <a:chExt cx="9108263" cy="6831197"/>
           </a:xfrm>
@@ -3416,32 +4086,219 @@
       </p:grpSp>
       <p:sp>
         <p:nvSpPr>
-          <p:cNvPr id="11" name="矩形 10"/>
+          <p:cNvPr id="12" name="矩形 11"/>
           <p:cNvSpPr/>
           <p:nvPr/>
         </p:nvSpPr>
         <p:spPr>
           <a:xfrm>
-            <a:off x="5559418" y="0"/>
-            <a:ext cx="3606821" cy="369332"/>
+            <a:off x="0" y="4365104"/>
+            <a:ext cx="9149471" cy="2492896"/>
           </a:xfrm>
           <a:prstGeom prst="rect">
             <a:avLst/>
           </a:prstGeom>
+          <a:solidFill>
+            <a:schemeClr val="bg1">
+              <a:lumMod val="75000"/>
+              <a:alpha val="89804"/>
+            </a:schemeClr>
+          </a:solidFill>
+          <a:ln>
+            <a:noFill/>
+          </a:ln>
         </p:spPr>
-        <p:txBody>
-          <a:bodyPr wrap="none">
-            <a:spAutoFit/>
-          </a:bodyPr>
+        <p:style>
+          <a:lnRef idx="2">
+            <a:schemeClr val="accent1">
+              <a:shade val="50000"/>
+            </a:schemeClr>
+          </a:lnRef>
+          <a:fillRef idx="1">
+            <a:schemeClr val="accent1"/>
+          </a:fillRef>
+          <a:effectRef idx="0">
+            <a:schemeClr val="accent1"/>
+          </a:effectRef>
+          <a:fontRef idx="minor">
+            <a:schemeClr val="lt1"/>
+          </a:fontRef>
+        </p:style>
+        <p:txBody>
+          <a:bodyPr rtlCol="0" anchor="ctr"/>
           <a:lstStyle/>
           <a:p>
+            <a:r>
+              <a:rPr lang="en-US" altLang="zh-TW" dirty="0" err="1" smtClean="0">
+                <a:solidFill>
+                  <a:schemeClr val="tx1"/>
+                </a:solidFill>
+              </a:rPr>
+              <a:t>Gridster</a:t>
+            </a:r>
+            <a:r>
+              <a:rPr lang="en-US" altLang="zh-TW" dirty="0" smtClean="0">
+                <a:solidFill>
+                  <a:schemeClr val="tx1"/>
+                </a:solidFill>
+              </a:rPr>
+              <a:t> Layout (</a:t>
+            </a:r>
+            <a:r>
+              <a:rPr lang="en-US" altLang="zh-TW" dirty="0">
+                <a:hlinkClick r:id="rId3"/>
+              </a:rPr>
+              <a:t>http://vision.sdsu.edu/calvin/demo</a:t>
+            </a:r>
             <a:r>
               <a:rPr lang="en-US" altLang="zh-TW" dirty="0" smtClean="0">
                 <a:hlinkClick r:id="rId3"/>
               </a:rPr>
-              <a:t>http://vision.sdsu.edu/calvin/demo/</a:t>
-            </a:r>
-            <a:endParaRPr lang="zh-TW" altLang="en-US" dirty="0"/>
+              <a:t>/</a:t>
+            </a:r>
+            <a:r>
+              <a:rPr lang="en-US" altLang="zh-TW" dirty="0" smtClean="0">
+                <a:solidFill>
+                  <a:schemeClr val="tx1"/>
+                </a:solidFill>
+              </a:rPr>
+              <a:t>)</a:t>
+            </a:r>
+          </a:p>
+          <a:p>
+            <a:endParaRPr lang="en-US" altLang="zh-TW" dirty="0">
+              <a:solidFill>
+                <a:schemeClr val="tx1"/>
+              </a:solidFill>
+            </a:endParaRPr>
+          </a:p>
+          <a:p>
+            <a:r>
+              <a:rPr lang="en-US" altLang="zh-TW" dirty="0" smtClean="0">
+                <a:solidFill>
+                  <a:schemeClr val="tx1"/>
+                </a:solidFill>
+              </a:rPr>
+              <a:t>	Pros: </a:t>
+            </a:r>
+          </a:p>
+          <a:p>
+            <a:pPr marL="1657350" lvl="3" indent="-285750">
+              <a:buFont typeface="Arial" pitchFamily="34" charset="0"/>
+              <a:buChar char="•"/>
+            </a:pPr>
+            <a:r>
+              <a:rPr lang="en-US" altLang="zh-TW" dirty="0" err="1" smtClean="0">
+                <a:solidFill>
+                  <a:schemeClr val="tx1"/>
+                </a:solidFill>
+              </a:rPr>
+              <a:t>Draggable</a:t>
+            </a:r>
+            <a:endParaRPr lang="en-US" altLang="zh-TW" dirty="0" smtClean="0">
+              <a:solidFill>
+                <a:schemeClr val="tx1"/>
+              </a:solidFill>
+            </a:endParaRPr>
+          </a:p>
+          <a:p>
+            <a:pPr marL="1657350" lvl="3" indent="-285750">
+              <a:buFont typeface="Arial" pitchFamily="34" charset="0"/>
+              <a:buChar char="•"/>
+            </a:pPr>
+            <a:r>
+              <a:rPr lang="en-US" altLang="zh-TW" dirty="0" smtClean="0">
+                <a:solidFill>
+                  <a:schemeClr val="tx1"/>
+                </a:solidFill>
+              </a:rPr>
+              <a:t>The box can be anywhere and any size.</a:t>
+            </a:r>
+          </a:p>
+          <a:p>
+            <a:pPr marL="1657350" lvl="3" indent="-285750">
+              <a:buFont typeface="Arial" pitchFamily="34" charset="0"/>
+              <a:buChar char="•"/>
+            </a:pPr>
+            <a:r>
+              <a:rPr lang="en-US" altLang="zh-TW" dirty="0" err="1" smtClean="0">
+                <a:solidFill>
+                  <a:schemeClr val="tx1"/>
+                </a:solidFill>
+              </a:rPr>
+              <a:t>OpenSource</a:t>
+            </a:r>
+            <a:r>
+              <a:rPr lang="en-US" altLang="zh-TW" dirty="0" smtClean="0">
+                <a:solidFill>
+                  <a:schemeClr val="tx1"/>
+                </a:solidFill>
+              </a:rPr>
+              <a:t>, under MIT license (</a:t>
+            </a:r>
+            <a:r>
+              <a:rPr lang="en-US" altLang="zh-TW" dirty="0" err="1" smtClean="0">
+                <a:solidFill>
+                  <a:schemeClr val="tx1"/>
+                </a:solidFill>
+              </a:rPr>
+              <a:t>Gridster</a:t>
+            </a:r>
+            <a:r>
+              <a:rPr lang="en-US" altLang="zh-TW" dirty="0">
+                <a:solidFill>
+                  <a:schemeClr val="tx1"/>
+                </a:solidFill>
+              </a:rPr>
+              <a:t>: </a:t>
+            </a:r>
+            <a:r>
+              <a:rPr lang="en-US" altLang="zh-TW" dirty="0">
+                <a:solidFill>
+                  <a:schemeClr val="tx1"/>
+                </a:solidFill>
+                <a:hlinkClick r:id="rId4"/>
+              </a:rPr>
+              <a:t>http://gridster.net</a:t>
+            </a:r>
+            <a:r>
+              <a:rPr lang="en-US" altLang="zh-TW" dirty="0" smtClean="0">
+                <a:solidFill>
+                  <a:schemeClr val="tx1"/>
+                </a:solidFill>
+                <a:hlinkClick r:id="rId4"/>
+              </a:rPr>
+              <a:t>/)</a:t>
+            </a:r>
+            <a:endParaRPr lang="en-US" altLang="zh-TW" dirty="0" smtClean="0">
+              <a:solidFill>
+                <a:schemeClr val="tx1"/>
+              </a:solidFill>
+            </a:endParaRPr>
+          </a:p>
+          <a:p>
+            <a:r>
+              <a:rPr lang="en-US" altLang="zh-TW" dirty="0" smtClean="0">
+                <a:solidFill>
+                  <a:schemeClr val="tx1"/>
+                </a:solidFill>
+              </a:rPr>
+              <a:t>	Cons:</a:t>
+            </a:r>
+          </a:p>
+          <a:p>
+            <a:pPr marL="1657350" lvl="3" indent="-285750">
+              <a:buFont typeface="Arial" pitchFamily="34" charset="0"/>
+              <a:buChar char="•"/>
+            </a:pPr>
+            <a:r>
+              <a:rPr lang="en-US" altLang="zh-TW" dirty="0" smtClean="0">
+                <a:solidFill>
+                  <a:schemeClr val="tx1"/>
+                </a:solidFill>
+              </a:rPr>
+              <a:t>Cannot resizable</a:t>
+            </a:r>
           </a:p>
         </p:txBody>
       </p:sp>
@@ -3465,7 +4322,542 @@
 </p:sld>
 </file>
 
-<file path=ppt/slides/slide3.xml><?xml version="1.0" encoding="utf-8"?>
+<file path=ppt/slides/slide5.xml><?xml version="1.0" encoding="utf-8"?>
+<p:sld xmlns:a="http://schemas.openxmlformats.org/drawingml/2006/main" xmlns:r="http://schemas.openxmlformats.org/officeDocument/2006/relationships" xmlns:p="http://schemas.openxmlformats.org/presentationml/2006/main">
+  <p:cSld>
+    <p:spTree>
+      <p:nvGrpSpPr>
+        <p:cNvPr id="1" name=""/>
+        <p:cNvGrpSpPr/>
+        <p:nvPr/>
+      </p:nvGrpSpPr>
+      <p:grpSpPr>
+        <a:xfrm>
+          <a:off x="0" y="0"/>
+          <a:ext cx="0" cy="0"/>
+          <a:chOff x="0" y="0"/>
+          <a:chExt cx="0" cy="0"/>
+        </a:xfrm>
+      </p:grpSpPr>
+      <p:pic>
+        <p:nvPicPr>
+          <p:cNvPr id="2" name="圖片 1"/>
+          <p:cNvPicPr>
+            <a:picLocks noChangeAspect="1"/>
+          </p:cNvPicPr>
+          <p:nvPr/>
+        </p:nvPicPr>
+        <p:blipFill>
+          <a:blip r:embed="rId2" cstate="print">
+            <a:extLst>
+              <a:ext uri="{28A0092B-C50C-407E-A947-70E740481C1C}">
+                <a14:useLocalDpi xmlns:a14="http://schemas.microsoft.com/office/drawing/2010/main" val="0"/>
+              </a:ext>
+            </a:extLst>
+          </a:blip>
+          <a:stretch>
+            <a:fillRect/>
+          </a:stretch>
+        </p:blipFill>
+        <p:spPr>
+          <a:xfrm>
+            <a:off x="0" y="744"/>
+            <a:ext cx="9144000" cy="6856511"/>
+          </a:xfrm>
+          <a:prstGeom prst="rect">
+            <a:avLst/>
+          </a:prstGeom>
+        </p:spPr>
+      </p:pic>
+    </p:spTree>
+    <p:extLst>
+      <p:ext uri="{BB962C8B-B14F-4D97-AF65-F5344CB8AC3E}">
+        <p14:creationId xmlns:p14="http://schemas.microsoft.com/office/powerpoint/2010/main" val="64802888"/>
+      </p:ext>
+    </p:extLst>
+  </p:cSld>
+  <p:clrMapOvr>
+    <a:masterClrMapping/>
+  </p:clrMapOvr>
+  <p:timing>
+    <p:tnLst>
+      <p:par>
+        <p:cTn id="1" dur="indefinite" restart="never" nodeType="tmRoot"/>
+      </p:par>
+    </p:tnLst>
+  </p:timing>
+</p:sld>
+</file>
+
+<file path=ppt/slides/slide6.xml><?xml version="1.0" encoding="utf-8"?>
+<p:sld xmlns:a="http://schemas.openxmlformats.org/drawingml/2006/main" xmlns:r="http://schemas.openxmlformats.org/officeDocument/2006/relationships" xmlns:p="http://schemas.openxmlformats.org/presentationml/2006/main">
+  <p:cSld>
+    <p:spTree>
+      <p:nvGrpSpPr>
+        <p:cNvPr id="1" name=""/>
+        <p:cNvGrpSpPr/>
+        <p:nvPr/>
+      </p:nvGrpSpPr>
+      <p:grpSpPr>
+        <a:xfrm>
+          <a:off x="0" y="0"/>
+          <a:ext cx="0" cy="0"/>
+          <a:chOff x="0" y="0"/>
+          <a:chExt cx="0" cy="0"/>
+        </a:xfrm>
+      </p:grpSpPr>
+      <p:pic>
+        <p:nvPicPr>
+          <p:cNvPr id="2" name="圖片 1"/>
+          <p:cNvPicPr>
+            <a:picLocks noChangeAspect="1"/>
+          </p:cNvPicPr>
+          <p:nvPr/>
+        </p:nvPicPr>
+        <p:blipFill>
+          <a:blip r:embed="rId2" cstate="print">
+            <a:extLst>
+              <a:ext uri="{28A0092B-C50C-407E-A947-70E740481C1C}">
+                <a14:useLocalDpi xmlns:a14="http://schemas.microsoft.com/office/drawing/2010/main" val="0"/>
+              </a:ext>
+            </a:extLst>
+          </a:blip>
+          <a:stretch>
+            <a:fillRect/>
+          </a:stretch>
+        </p:blipFill>
+        <p:spPr>
+          <a:xfrm>
+            <a:off x="0" y="744"/>
+            <a:ext cx="9144000" cy="6856511"/>
+          </a:xfrm>
+          <a:prstGeom prst="rect">
+            <a:avLst/>
+          </a:prstGeom>
+        </p:spPr>
+      </p:pic>
+    </p:spTree>
+    <p:extLst>
+      <p:ext uri="{BB962C8B-B14F-4D97-AF65-F5344CB8AC3E}">
+        <p14:creationId xmlns:p14="http://schemas.microsoft.com/office/powerpoint/2010/main" val="2185378846"/>
+      </p:ext>
+    </p:extLst>
+  </p:cSld>
+  <p:clrMapOvr>
+    <a:masterClrMapping/>
+  </p:clrMapOvr>
+  <p:timing>
+    <p:tnLst>
+      <p:par>
+        <p:cTn id="1" dur="indefinite" restart="never" nodeType="tmRoot"/>
+      </p:par>
+    </p:tnLst>
+  </p:timing>
+</p:sld>
+</file>
+
+<file path=ppt/slides/slide7.xml><?xml version="1.0" encoding="utf-8"?>
+<p:sld xmlns:a="http://schemas.openxmlformats.org/drawingml/2006/main" xmlns:r="http://schemas.openxmlformats.org/officeDocument/2006/relationships" xmlns:p="http://schemas.openxmlformats.org/presentationml/2006/main">
+  <p:cSld>
+    <p:spTree>
+      <p:nvGrpSpPr>
+        <p:cNvPr id="1" name=""/>
+        <p:cNvGrpSpPr/>
+        <p:nvPr/>
+      </p:nvGrpSpPr>
+      <p:grpSpPr>
+        <a:xfrm>
+          <a:off x="0" y="0"/>
+          <a:ext cx="0" cy="0"/>
+          <a:chOff x="0" y="0"/>
+          <a:chExt cx="0" cy="0"/>
+        </a:xfrm>
+      </p:grpSpPr>
+      <p:grpSp>
+        <p:nvGrpSpPr>
+          <p:cNvPr id="2" name="群組 1"/>
+          <p:cNvGrpSpPr/>
+          <p:nvPr/>
+        </p:nvGrpSpPr>
+        <p:grpSpPr>
+          <a:xfrm>
+            <a:off x="67608" y="0"/>
+            <a:ext cx="9108263" cy="6858000"/>
+            <a:chOff x="57976" y="87466"/>
+            <a:chExt cx="9108263" cy="6831197"/>
+          </a:xfrm>
+        </p:grpSpPr>
+        <p:pic>
+          <p:nvPicPr>
+            <p:cNvPr id="3" name="Picture 2"/>
+            <p:cNvPicPr>
+              <a:picLocks noChangeAspect="1" noChangeArrowheads="1"/>
+            </p:cNvPicPr>
+            <p:nvPr/>
+          </p:nvPicPr>
+          <p:blipFill>
+            <a:blip r:embed="rId2">
+              <a:extLst>
+                <a:ext uri="{28A0092B-C50C-407E-A947-70E740481C1C}">
+                  <a14:useLocalDpi xmlns:a14="http://schemas.microsoft.com/office/drawing/2010/main" val="0"/>
+                </a:ext>
+              </a:extLst>
+            </a:blip>
+            <a:srcRect/>
+            <a:stretch>
+              <a:fillRect/>
+            </a:stretch>
+          </p:blipFill>
+          <p:spPr bwMode="auto">
+            <a:xfrm>
+              <a:off x="57976" y="87466"/>
+              <a:ext cx="9108263" cy="6831197"/>
+            </a:xfrm>
+            <a:prstGeom prst="rect">
+              <a:avLst/>
+            </a:prstGeom>
+            <a:noFill/>
+            <a:ln>
+              <a:noFill/>
+            </a:ln>
+            <a:extLst>
+              <a:ext uri="{909E8E84-426E-40DD-AFC4-6F175D3DCCD1}">
+                <a14:hiddenFill xmlns:a14="http://schemas.microsoft.com/office/drawing/2010/main">
+                  <a:solidFill>
+                    <a:schemeClr val="accent1"/>
+                  </a:solidFill>
+                </a14:hiddenFill>
+              </a:ext>
+              <a:ext uri="{91240B29-F687-4F45-9708-019B960494DF}">
+                <a14:hiddenLine xmlns:a14="http://schemas.microsoft.com/office/drawing/2010/main" w="9525">
+                  <a:solidFill>
+                    <a:schemeClr val="tx1"/>
+                  </a:solidFill>
+                  <a:miter lim="800000"/>
+                  <a:headEnd/>
+                  <a:tailEnd/>
+                </a14:hiddenLine>
+              </a:ext>
+            </a:extLst>
+          </p:spPr>
+        </p:pic>
+        <p:sp>
+          <p:nvSpPr>
+            <p:cNvPr id="4" name="文字方塊 3"/>
+            <p:cNvSpPr txBox="1"/>
+            <p:nvPr/>
+          </p:nvSpPr>
+          <p:spPr>
+            <a:xfrm>
+              <a:off x="1007604" y="1676182"/>
+              <a:ext cx="1080120" cy="369332"/>
+            </a:xfrm>
+            <a:prstGeom prst="rect">
+              <a:avLst/>
+            </a:prstGeom>
+            <a:noFill/>
+          </p:spPr>
+          <p:txBody>
+            <a:bodyPr wrap="square" rtlCol="0">
+              <a:spAutoFit/>
+            </a:bodyPr>
+            <a:lstStyle/>
+            <a:p>
+              <a:pPr algn="ctr"/>
+              <a:r>
+                <a:rPr lang="en-US" altLang="zh-TW" b="1" dirty="0" smtClean="0"/>
+                <a:t>Widget</a:t>
+              </a:r>
+              <a:endParaRPr lang="zh-TW" altLang="en-US" b="1" dirty="0"/>
+            </a:p>
+          </p:txBody>
+        </p:sp>
+        <p:sp>
+          <p:nvSpPr>
+            <p:cNvPr id="5" name="文字方塊 4"/>
+            <p:cNvSpPr txBox="1"/>
+            <p:nvPr/>
+          </p:nvSpPr>
+          <p:spPr>
+            <a:xfrm>
+              <a:off x="4031940" y="1676182"/>
+              <a:ext cx="1080120" cy="369332"/>
+            </a:xfrm>
+            <a:prstGeom prst="rect">
+              <a:avLst/>
+            </a:prstGeom>
+            <a:noFill/>
+          </p:spPr>
+          <p:txBody>
+            <a:bodyPr wrap="square" rtlCol="0">
+              <a:spAutoFit/>
+            </a:bodyPr>
+            <a:lstStyle/>
+            <a:p>
+              <a:pPr algn="ctr"/>
+              <a:r>
+                <a:rPr lang="en-US" altLang="zh-TW" b="1" dirty="0" smtClean="0"/>
+                <a:t>Widget</a:t>
+              </a:r>
+              <a:endParaRPr lang="zh-TW" altLang="en-US" b="1" dirty="0"/>
+            </a:p>
+          </p:txBody>
+        </p:sp>
+        <p:sp>
+          <p:nvSpPr>
+            <p:cNvPr id="6" name="文字方塊 5"/>
+            <p:cNvSpPr txBox="1"/>
+            <p:nvPr/>
+          </p:nvSpPr>
+          <p:spPr>
+            <a:xfrm>
+              <a:off x="6948264" y="1689819"/>
+              <a:ext cx="1080120" cy="369332"/>
+            </a:xfrm>
+            <a:prstGeom prst="rect">
+              <a:avLst/>
+            </a:prstGeom>
+            <a:noFill/>
+          </p:spPr>
+          <p:txBody>
+            <a:bodyPr wrap="square" rtlCol="0">
+              <a:spAutoFit/>
+            </a:bodyPr>
+            <a:lstStyle/>
+            <a:p>
+              <a:pPr algn="ctr"/>
+              <a:r>
+                <a:rPr lang="en-US" altLang="zh-TW" b="1" dirty="0" smtClean="0"/>
+                <a:t>Widget</a:t>
+              </a:r>
+              <a:endParaRPr lang="zh-TW" altLang="en-US" b="1" dirty="0"/>
+            </a:p>
+          </p:txBody>
+        </p:sp>
+        <p:sp>
+          <p:nvSpPr>
+            <p:cNvPr id="7" name="文字方塊 6"/>
+            <p:cNvSpPr txBox="1"/>
+            <p:nvPr/>
+          </p:nvSpPr>
+          <p:spPr>
+            <a:xfrm>
+              <a:off x="6948264" y="3933056"/>
+              <a:ext cx="1080120" cy="369332"/>
+            </a:xfrm>
+            <a:prstGeom prst="rect">
+              <a:avLst/>
+            </a:prstGeom>
+            <a:noFill/>
+          </p:spPr>
+          <p:txBody>
+            <a:bodyPr wrap="square" rtlCol="0">
+              <a:spAutoFit/>
+            </a:bodyPr>
+            <a:lstStyle/>
+            <a:p>
+              <a:pPr algn="ctr"/>
+              <a:r>
+                <a:rPr lang="en-US" altLang="zh-TW" b="1" dirty="0" smtClean="0"/>
+                <a:t>Widget</a:t>
+              </a:r>
+              <a:endParaRPr lang="zh-TW" altLang="en-US" b="1" dirty="0"/>
+            </a:p>
+          </p:txBody>
+        </p:sp>
+        <p:sp>
+          <p:nvSpPr>
+            <p:cNvPr id="8" name="文字方塊 7"/>
+            <p:cNvSpPr txBox="1"/>
+            <p:nvPr/>
+          </p:nvSpPr>
+          <p:spPr>
+            <a:xfrm>
+              <a:off x="1007604" y="6309320"/>
+              <a:ext cx="1080120" cy="369332"/>
+            </a:xfrm>
+            <a:prstGeom prst="rect">
+              <a:avLst/>
+            </a:prstGeom>
+            <a:noFill/>
+          </p:spPr>
+          <p:txBody>
+            <a:bodyPr wrap="square" rtlCol="0">
+              <a:spAutoFit/>
+            </a:bodyPr>
+            <a:lstStyle/>
+            <a:p>
+              <a:pPr algn="ctr"/>
+              <a:r>
+                <a:rPr lang="en-US" altLang="zh-TW" b="1" dirty="0" smtClean="0"/>
+                <a:t>Widget</a:t>
+              </a:r>
+              <a:endParaRPr lang="zh-TW" altLang="en-US" b="1" dirty="0"/>
+            </a:p>
+          </p:txBody>
+        </p:sp>
+        <p:sp>
+          <p:nvSpPr>
+            <p:cNvPr id="9" name="文字方塊 8"/>
+            <p:cNvSpPr txBox="1"/>
+            <p:nvPr/>
+          </p:nvSpPr>
+          <p:spPr>
+            <a:xfrm>
+              <a:off x="4000008" y="6309320"/>
+              <a:ext cx="1080120" cy="369332"/>
+            </a:xfrm>
+            <a:prstGeom prst="rect">
+              <a:avLst/>
+            </a:prstGeom>
+            <a:noFill/>
+          </p:spPr>
+          <p:txBody>
+            <a:bodyPr wrap="square" rtlCol="0">
+              <a:spAutoFit/>
+            </a:bodyPr>
+            <a:lstStyle/>
+            <a:p>
+              <a:pPr algn="ctr"/>
+              <a:r>
+                <a:rPr lang="en-US" altLang="zh-TW" b="1" dirty="0" smtClean="0"/>
+                <a:t>Widget</a:t>
+              </a:r>
+              <a:endParaRPr lang="zh-TW" altLang="en-US" b="1" dirty="0"/>
+            </a:p>
+          </p:txBody>
+        </p:sp>
+        <p:sp>
+          <p:nvSpPr>
+            <p:cNvPr id="10" name="文字方塊 9"/>
+            <p:cNvSpPr txBox="1"/>
+            <p:nvPr/>
+          </p:nvSpPr>
+          <p:spPr>
+            <a:xfrm>
+              <a:off x="6228184" y="6309320"/>
+              <a:ext cx="1080120" cy="369332"/>
+            </a:xfrm>
+            <a:prstGeom prst="rect">
+              <a:avLst/>
+            </a:prstGeom>
+            <a:noFill/>
+          </p:spPr>
+          <p:txBody>
+            <a:bodyPr wrap="square" rtlCol="0">
+              <a:spAutoFit/>
+            </a:bodyPr>
+            <a:lstStyle/>
+            <a:p>
+              <a:pPr algn="ctr"/>
+              <a:r>
+                <a:rPr lang="en-US" altLang="zh-TW" b="1" dirty="0" smtClean="0"/>
+                <a:t>Widget</a:t>
+              </a:r>
+              <a:endParaRPr lang="zh-TW" altLang="en-US" b="1" dirty="0"/>
+            </a:p>
+          </p:txBody>
+        </p:sp>
+      </p:grpSp>
+      <p:sp>
+        <p:nvSpPr>
+          <p:cNvPr id="11" name="矩形 10"/>
+          <p:cNvSpPr/>
+          <p:nvPr/>
+        </p:nvSpPr>
+        <p:spPr>
+          <a:xfrm>
+            <a:off x="0" y="4365104"/>
+            <a:ext cx="9149471" cy="2492896"/>
+          </a:xfrm>
+          <a:prstGeom prst="rect">
+            <a:avLst/>
+          </a:prstGeom>
+          <a:solidFill>
+            <a:schemeClr val="bg1">
+              <a:lumMod val="75000"/>
+              <a:alpha val="89804"/>
+            </a:schemeClr>
+          </a:solidFill>
+          <a:ln>
+            <a:noFill/>
+          </a:ln>
+        </p:spPr>
+        <p:style>
+          <a:lnRef idx="2">
+            <a:schemeClr val="accent1">
+              <a:shade val="50000"/>
+            </a:schemeClr>
+          </a:lnRef>
+          <a:fillRef idx="1">
+            <a:schemeClr val="accent1"/>
+          </a:fillRef>
+          <a:effectRef idx="0">
+            <a:schemeClr val="accent1"/>
+          </a:effectRef>
+          <a:fontRef idx="minor">
+            <a:schemeClr val="lt1"/>
+          </a:fontRef>
+        </p:style>
+        <p:txBody>
+          <a:bodyPr rtlCol="0" anchor="ctr"/>
+          <a:lstStyle/>
+          <a:p>
+            <a:pPr algn="ctr"/>
+            <a:r>
+              <a:rPr lang="en-US" altLang="zh-TW" dirty="0" smtClean="0">
+                <a:solidFill>
+                  <a:schemeClr val="tx1"/>
+                </a:solidFill>
+              </a:rPr>
+              <a:t>DEMO Time</a:t>
+            </a:r>
+          </a:p>
+          <a:p>
+            <a:pPr algn="ctr"/>
+            <a:endParaRPr lang="en-US" altLang="zh-TW" dirty="0">
+              <a:solidFill>
+                <a:schemeClr val="tx1"/>
+              </a:solidFill>
+            </a:endParaRPr>
+          </a:p>
+          <a:p>
+            <a:pPr algn="ctr"/>
+            <a:r>
+              <a:rPr lang="en-US" altLang="zh-TW" dirty="0">
+                <a:hlinkClick r:id="rId3"/>
+              </a:rPr>
+              <a:t>http://vision.sdsu.edu/calvin/demo</a:t>
+            </a:r>
+            <a:endParaRPr lang="en-US" altLang="zh-TW" dirty="0" smtClean="0">
+              <a:solidFill>
+                <a:schemeClr val="tx1"/>
+              </a:solidFill>
+            </a:endParaRPr>
+          </a:p>
+        </p:txBody>
+      </p:sp>
+    </p:spTree>
+    <p:extLst>
+      <p:ext uri="{BB962C8B-B14F-4D97-AF65-F5344CB8AC3E}">
+        <p14:creationId xmlns:p14="http://schemas.microsoft.com/office/powerpoint/2010/main" val="2898099883"/>
+      </p:ext>
+    </p:extLst>
+  </p:cSld>
+  <p:clrMapOvr>
+    <a:masterClrMapping/>
+  </p:clrMapOvr>
+  <p:timing>
+    <p:tnLst>
+      <p:par>
+        <p:cTn id="1" dur="indefinite" restart="never" nodeType="tmRoot"/>
+      </p:par>
+    </p:tnLst>
+  </p:timing>
+</p:sld>
+</file>
+
+<file path=ppt/slides/slide8.xml><?xml version="1.0" encoding="utf-8"?>
 <p:sld xmlns:a="http://schemas.openxmlformats.org/drawingml/2006/main" xmlns:r="http://schemas.openxmlformats.org/officeDocument/2006/relationships" xmlns:p="http://schemas.openxmlformats.org/presentationml/2006/main">
   <p:cSld>
     <p:spTree>
@@ -4221,7 +5613,7 @@
 </p:sld>
 </file>
 
-<file path=ppt/slides/slide4.xml><?xml version="1.0" encoding="utf-8"?>
+<file path=ppt/slides/slide9.xml><?xml version="1.0" encoding="utf-8"?>
 <p:sld xmlns:a="http://schemas.openxmlformats.org/drawingml/2006/main" xmlns:r="http://schemas.openxmlformats.org/officeDocument/2006/relationships" xmlns:p="http://schemas.openxmlformats.org/presentationml/2006/main">
   <p:cSld>
     <p:spTree>
@@ -4342,143 +5734,6 @@
     <p:extLst>
       <p:ext uri="{BB962C8B-B14F-4D97-AF65-F5344CB8AC3E}">
         <p14:creationId xmlns:p14="http://schemas.microsoft.com/office/powerpoint/2010/main" val="3256568754"/>
-      </p:ext>
-    </p:extLst>
-  </p:cSld>
-  <p:clrMapOvr>
-    <a:masterClrMapping/>
-  </p:clrMapOvr>
-  <p:timing>
-    <p:tnLst>
-      <p:par>
-        <p:cTn id="1" dur="indefinite" restart="never" nodeType="tmRoot"/>
-      </p:par>
-    </p:tnLst>
-  </p:timing>
-</p:sld>
-</file>
-
-<file path=ppt/slides/slide5.xml><?xml version="1.0" encoding="utf-8"?>
-<p:sld xmlns:a="http://schemas.openxmlformats.org/drawingml/2006/main" xmlns:r="http://schemas.openxmlformats.org/officeDocument/2006/relationships" xmlns:p="http://schemas.openxmlformats.org/presentationml/2006/main">
-  <p:cSld>
-    <p:spTree>
-      <p:nvGrpSpPr>
-        <p:cNvPr id="1" name=""/>
-        <p:cNvGrpSpPr/>
-        <p:nvPr/>
-      </p:nvGrpSpPr>
-      <p:grpSpPr>
-        <a:xfrm>
-          <a:off x="0" y="0"/>
-          <a:ext cx="0" cy="0"/>
-          <a:chOff x="0" y="0"/>
-          <a:chExt cx="0" cy="0"/>
-        </a:xfrm>
-      </p:grpSpPr>
-      <p:pic>
-        <p:nvPicPr>
-          <p:cNvPr id="3074" name="Picture 2"/>
-          <p:cNvPicPr>
-            <a:picLocks noChangeAspect="1" noChangeArrowheads="1"/>
-          </p:cNvPicPr>
-          <p:nvPr/>
-        </p:nvPicPr>
-        <p:blipFill>
-          <a:blip r:embed="rId2">
-            <a:extLst>
-              <a:ext uri="{28A0092B-C50C-407E-A947-70E740481C1C}">
-                <a14:useLocalDpi xmlns:a14="http://schemas.microsoft.com/office/drawing/2010/main" val="0"/>
-              </a:ext>
-            </a:extLst>
-          </a:blip>
-          <a:srcRect/>
-          <a:stretch>
-            <a:fillRect/>
-          </a:stretch>
-        </p:blipFill>
-        <p:spPr bwMode="auto">
-          <a:xfrm>
-            <a:off x="0" y="0"/>
-            <a:ext cx="9144000" cy="6858000"/>
-          </a:xfrm>
-          <a:prstGeom prst="rect">
-            <a:avLst/>
-          </a:prstGeom>
-          <a:noFill/>
-          <a:ln>
-            <a:noFill/>
-          </a:ln>
-          <a:extLst>
-            <a:ext uri="{909E8E84-426E-40DD-AFC4-6F175D3DCCD1}">
-              <a14:hiddenFill xmlns:a14="http://schemas.microsoft.com/office/drawing/2010/main">
-                <a:solidFill>
-                  <a:schemeClr val="accent1"/>
-                </a:solidFill>
-              </a14:hiddenFill>
-            </a:ext>
-            <a:ext uri="{91240B29-F687-4F45-9708-019B960494DF}">
-              <a14:hiddenLine xmlns:a14="http://schemas.microsoft.com/office/drawing/2010/main" w="9525">
-                <a:solidFill>
-                  <a:schemeClr val="tx1"/>
-                </a:solidFill>
-                <a:miter lim="800000"/>
-                <a:headEnd/>
-                <a:tailEnd/>
-              </a14:hiddenLine>
-            </a:ext>
-          </a:extLst>
-        </p:spPr>
-      </p:pic>
-      <p:sp>
-        <p:nvSpPr>
-          <p:cNvPr id="4" name="矩形 3"/>
-          <p:cNvSpPr/>
-          <p:nvPr/>
-        </p:nvSpPr>
-        <p:spPr>
-          <a:xfrm>
-            <a:off x="395536" y="1484784"/>
-            <a:ext cx="8424936" cy="4464496"/>
-          </a:xfrm>
-          <a:prstGeom prst="rect">
-            <a:avLst/>
-          </a:prstGeom>
-          <a:noFill/>
-          <a:ln w="38100">
-            <a:solidFill>
-              <a:srgbClr val="FF0000"/>
-            </a:solidFill>
-          </a:ln>
-        </p:spPr>
-        <p:style>
-          <a:lnRef idx="2">
-            <a:schemeClr val="accent1">
-              <a:shade val="50000"/>
-            </a:schemeClr>
-          </a:lnRef>
-          <a:fillRef idx="1">
-            <a:schemeClr val="accent1"/>
-          </a:fillRef>
-          <a:effectRef idx="0">
-            <a:schemeClr val="accent1"/>
-          </a:effectRef>
-          <a:fontRef idx="minor">
-            <a:schemeClr val="lt1"/>
-          </a:fontRef>
-        </p:style>
-        <p:txBody>
-          <a:bodyPr rtlCol="0" anchor="ctr"/>
-          <a:lstStyle/>
-          <a:p>
-            <a:pPr algn="ctr"/>
-            <a:endParaRPr lang="zh-TW" altLang="en-US"/>
-          </a:p>
-        </p:txBody>
-      </p:sp>
-    </p:spTree>
-    <p:extLst>
-      <p:ext uri="{BB962C8B-B14F-4D97-AF65-F5344CB8AC3E}">
-        <p14:creationId xmlns:p14="http://schemas.microsoft.com/office/powerpoint/2010/main" val="3869721160"/>
       </p:ext>
     </p:extLst>
   </p:cSld>
